--- a/C++언어/수업자료/C++_3_Class_ClassFile_Const.pptx
+++ b/C++언어/수업자료/C++_3_Class_ClassFile_Const.pptx
@@ -52,34 +52,34 @@
   <p:notesSz cx="6858000" cy="9144000"/>
   <p:embeddedFontLst>
     <p:embeddedFont>
-      <p:font typeface="HY헤드라인M" pitchFamily="18" charset="-127"/>
+      <p:font typeface="HY강B" charset="-127"/>
       <p:regular r:id="rId42"/>
     </p:embeddedFont>
     <p:embeddedFont>
-      <p:font typeface="맑은 고딕" pitchFamily="50" charset="-127"/>
+      <p:font typeface="HY강M" charset="-127"/>
       <p:regular r:id="rId43"/>
-      <p:bold r:id="rId44"/>
-    </p:embeddedFont>
-    <p:embeddedFont>
-      <p:font typeface="HY강M" charset="-127"/>
-      <p:regular r:id="rId45"/>
     </p:embeddedFont>
     <p:embeddedFont>
       <p:font typeface="Segoe UI Black" pitchFamily="34" charset="0"/>
-      <p:bold r:id="rId46"/>
-      <p:boldItalic r:id="rId47"/>
+      <p:bold r:id="rId44"/>
+      <p:boldItalic r:id="rId45"/>
     </p:embeddedFont>
     <p:embeddedFont>
       <p:font typeface="Yoon 윤고딕 520_TT" charset="-127"/>
+      <p:regular r:id="rId46"/>
+    </p:embeddedFont>
+    <p:embeddedFont>
+      <p:font typeface="HY견고딕" pitchFamily="18" charset="-127"/>
+      <p:regular r:id="rId47"/>
+    </p:embeddedFont>
+    <p:embeddedFont>
+      <p:font typeface="HY헤드라인M" pitchFamily="18" charset="-127"/>
       <p:regular r:id="rId48"/>
     </p:embeddedFont>
     <p:embeddedFont>
-      <p:font typeface="HY강B" charset="-127"/>
+      <p:font typeface="맑은 고딕" pitchFamily="50" charset="-127"/>
       <p:regular r:id="rId49"/>
-    </p:embeddedFont>
-    <p:embeddedFont>
-      <p:font typeface="HY견고딕" pitchFamily="18" charset="-127"/>
-      <p:regular r:id="rId50"/>
+      <p:bold r:id="rId50"/>
     </p:embeddedFont>
   </p:embeddedFontLst>
   <p:defaultTextStyle>
@@ -263,7 +263,7 @@
             <a:fld id="{E2E81C77-485D-47AA-9839-DA75671EEAD7}" type="datetimeFigureOut">
               <a:rPr lang="ko-KR" altLang="en-US" smtClean="0"/>
               <a:pPr/>
-              <a:t>2022-01-19</a:t>
+              <a:t>2022-01-20</a:t>
             </a:fld>
             <a:endParaRPr lang="ko-KR" altLang="en-US"/>
           </a:p>
@@ -882,6 +882,199 @@
         </p:nvSpPr>
         <p:spPr/>
         <p:txBody>
+          <a:bodyPr/>
+          <a:lstStyle/>
+          <a:p>
+            <a:endParaRPr lang="ko-KR" altLang="en-US" dirty="0"/>
+          </a:p>
+        </p:txBody>
+      </p:sp>
+      <p:sp>
+        <p:nvSpPr>
+          <p:cNvPr id="4" name="슬라이드 번호 개체 틀 3"/>
+          <p:cNvSpPr>
+            <a:spLocks noGrp="1"/>
+          </p:cNvSpPr>
+          <p:nvPr>
+            <p:ph type="sldNum" sz="quarter" idx="10"/>
+          </p:nvPr>
+        </p:nvSpPr>
+        <p:spPr/>
+        <p:txBody>
+          <a:bodyPr/>
+          <a:lstStyle/>
+          <a:p>
+            <a:fld id="{15317825-7312-444A-A32A-E4ADCED38ACF}" type="slidenum">
+              <a:rPr lang="ko-KR" altLang="en-US" smtClean="0"/>
+              <a:pPr/>
+              <a:t>20</a:t>
+            </a:fld>
+            <a:endParaRPr lang="ko-KR" altLang="en-US"/>
+          </a:p>
+        </p:txBody>
+      </p:sp>
+    </p:spTree>
+    <p:extLst>
+      <p:ext uri="{BB962C8B-B14F-4D97-AF65-F5344CB8AC3E}">
+        <p14:creationId xmlns:p14="http://schemas.microsoft.com/office/powerpoint/2010/main" val="127412589"/>
+      </p:ext>
+    </p:extLst>
+  </p:cSld>
+  <p:clrMapOvr>
+    <a:masterClrMapping/>
+  </p:clrMapOvr>
+</p:notes>
+</file>
+
+<file path=ppt/notesSlides/notesSlide13.xml><?xml version="1.0" encoding="utf-8"?>
+<p:notes xmlns:a="http://schemas.openxmlformats.org/drawingml/2006/main" xmlns:r="http://schemas.openxmlformats.org/officeDocument/2006/relationships" xmlns:p="http://schemas.openxmlformats.org/presentationml/2006/main">
+  <p:cSld>
+    <p:spTree>
+      <p:nvGrpSpPr>
+        <p:cNvPr id="1" name=""/>
+        <p:cNvGrpSpPr/>
+        <p:nvPr/>
+      </p:nvGrpSpPr>
+      <p:grpSpPr>
+        <a:xfrm>
+          <a:off x="0" y="0"/>
+          <a:ext cx="0" cy="0"/>
+          <a:chOff x="0" y="0"/>
+          <a:chExt cx="0" cy="0"/>
+        </a:xfrm>
+      </p:grpSpPr>
+      <p:sp>
+        <p:nvSpPr>
+          <p:cNvPr id="2" name="슬라이드 이미지 개체 틀 1"/>
+          <p:cNvSpPr>
+            <a:spLocks noGrp="1" noRot="1" noChangeAspect="1"/>
+          </p:cNvSpPr>
+          <p:nvPr>
+            <p:ph type="sldImg"/>
+          </p:nvPr>
+        </p:nvSpPr>
+        <p:spPr/>
+      </p:sp>
+      <p:sp>
+        <p:nvSpPr>
+          <p:cNvPr id="3" name="슬라이드 노트 개체 틀 2"/>
+          <p:cNvSpPr>
+            <a:spLocks noGrp="1"/>
+          </p:cNvSpPr>
+          <p:nvPr>
+            <p:ph type="body" idx="1"/>
+          </p:nvPr>
+        </p:nvSpPr>
+        <p:spPr/>
+        <p:txBody>
+          <a:bodyPr/>
+          <a:lstStyle/>
+          <a:p>
+            <a:r>
+              <a:rPr lang="ko-KR" altLang="en-US" dirty="0" smtClean="0"/>
+              <a:t>코딩 </a:t>
+            </a:r>
+            <a:r>
+              <a:rPr lang="ko-KR" altLang="en-US" dirty="0" err="1" smtClean="0"/>
+              <a:t>스텐다드</a:t>
+            </a:r>
+            <a:r>
+              <a:rPr lang="ko-KR" altLang="en-US" dirty="0" smtClean="0"/>
+              <a:t> </a:t>
+            </a:r>
+            <a:r>
+              <a:rPr lang="en-US" altLang="ko-KR" dirty="0" smtClean="0"/>
+              <a:t>: </a:t>
+            </a:r>
+            <a:r>
+              <a:rPr lang="ko-KR" altLang="en-US" dirty="0" smtClean="0"/>
+              <a:t>코드를 쓰는 방법에 대한 약속</a:t>
+            </a:r>
+            <a:endParaRPr lang="en-US" altLang="ko-KR" dirty="0" smtClean="0"/>
+          </a:p>
+          <a:p>
+            <a:endParaRPr lang="ko-KR" altLang="en-US" dirty="0"/>
+          </a:p>
+        </p:txBody>
+      </p:sp>
+      <p:sp>
+        <p:nvSpPr>
+          <p:cNvPr id="4" name="슬라이드 번호 개체 틀 3"/>
+          <p:cNvSpPr>
+            <a:spLocks noGrp="1"/>
+          </p:cNvSpPr>
+          <p:nvPr>
+            <p:ph type="sldNum" sz="quarter" idx="10"/>
+          </p:nvPr>
+        </p:nvSpPr>
+        <p:spPr/>
+        <p:txBody>
+          <a:bodyPr/>
+          <a:lstStyle/>
+          <a:p>
+            <a:fld id="{15317825-7312-444A-A32A-E4ADCED38ACF}" type="slidenum">
+              <a:rPr lang="ko-KR" altLang="en-US" smtClean="0"/>
+              <a:pPr/>
+              <a:t>22</a:t>
+            </a:fld>
+            <a:endParaRPr lang="ko-KR" altLang="en-US"/>
+          </a:p>
+        </p:txBody>
+      </p:sp>
+    </p:spTree>
+    <p:extLst>
+      <p:ext uri="{BB962C8B-B14F-4D97-AF65-F5344CB8AC3E}">
+        <p14:creationId xmlns:p14="http://schemas.microsoft.com/office/powerpoint/2010/main" val="3241108237"/>
+      </p:ext>
+    </p:extLst>
+  </p:cSld>
+  <p:clrMapOvr>
+    <a:masterClrMapping/>
+  </p:clrMapOvr>
+</p:notes>
+</file>
+
+<file path=ppt/notesSlides/notesSlide14.xml><?xml version="1.0" encoding="utf-8"?>
+<p:notes xmlns:a="http://schemas.openxmlformats.org/drawingml/2006/main" xmlns:r="http://schemas.openxmlformats.org/officeDocument/2006/relationships" xmlns:p="http://schemas.openxmlformats.org/presentationml/2006/main">
+  <p:cSld>
+    <p:spTree>
+      <p:nvGrpSpPr>
+        <p:cNvPr id="1" name=""/>
+        <p:cNvGrpSpPr/>
+        <p:nvPr/>
+      </p:nvGrpSpPr>
+      <p:grpSpPr>
+        <a:xfrm>
+          <a:off x="0" y="0"/>
+          <a:ext cx="0" cy="0"/>
+          <a:chOff x="0" y="0"/>
+          <a:chExt cx="0" cy="0"/>
+        </a:xfrm>
+      </p:grpSpPr>
+      <p:sp>
+        <p:nvSpPr>
+          <p:cNvPr id="2" name="슬라이드 이미지 개체 틀 1"/>
+          <p:cNvSpPr>
+            <a:spLocks noGrp="1" noRot="1" noChangeAspect="1"/>
+          </p:cNvSpPr>
+          <p:nvPr>
+            <p:ph type="sldImg"/>
+          </p:nvPr>
+        </p:nvSpPr>
+        <p:spPr/>
+      </p:sp>
+      <p:sp>
+        <p:nvSpPr>
+          <p:cNvPr id="3" name="슬라이드 노트 개체 틀 2"/>
+          <p:cNvSpPr>
+            <a:spLocks noGrp="1"/>
+          </p:cNvSpPr>
+          <p:nvPr>
+            <p:ph type="body" idx="1"/>
+          </p:nvPr>
+        </p:nvSpPr>
+        <p:spPr/>
+        <p:txBody>
           <a:bodyPr>
             <a:normAutofit/>
           </a:bodyPr>
@@ -2115,7 +2308,7 @@
             <a:fld id="{3A302466-FE76-40E8-BE5D-598A609EDD2B}" type="datetimeFigureOut">
               <a:rPr lang="ko-KR" altLang="en-US" smtClean="0"/>
               <a:pPr/>
-              <a:t>2022-01-19</a:t>
+              <a:t>2022-01-20</a:t>
             </a:fld>
             <a:endParaRPr lang="ko-KR" altLang="en-US"/>
           </a:p>
@@ -2287,7 +2480,7 @@
             <a:fld id="{3A302466-FE76-40E8-BE5D-598A609EDD2B}" type="datetimeFigureOut">
               <a:rPr lang="ko-KR" altLang="en-US" smtClean="0"/>
               <a:pPr/>
-              <a:t>2022-01-19</a:t>
+              <a:t>2022-01-20</a:t>
             </a:fld>
             <a:endParaRPr lang="ko-KR" altLang="en-US"/>
           </a:p>
@@ -2469,7 +2662,7 @@
             <a:fld id="{3A302466-FE76-40E8-BE5D-598A609EDD2B}" type="datetimeFigureOut">
               <a:rPr lang="ko-KR" altLang="en-US" smtClean="0"/>
               <a:pPr/>
-              <a:t>2022-01-19</a:t>
+              <a:t>2022-01-20</a:t>
             </a:fld>
             <a:endParaRPr lang="ko-KR" altLang="en-US"/>
           </a:p>
@@ -2641,7 +2834,7 @@
             <a:fld id="{3A302466-FE76-40E8-BE5D-598A609EDD2B}" type="datetimeFigureOut">
               <a:rPr lang="ko-KR" altLang="en-US" smtClean="0"/>
               <a:pPr/>
-              <a:t>2022-01-19</a:t>
+              <a:t>2022-01-20</a:t>
             </a:fld>
             <a:endParaRPr lang="ko-KR" altLang="en-US"/>
           </a:p>
@@ -2889,7 +3082,7 @@
             <a:fld id="{3A302466-FE76-40E8-BE5D-598A609EDD2B}" type="datetimeFigureOut">
               <a:rPr lang="ko-KR" altLang="en-US" smtClean="0"/>
               <a:pPr/>
-              <a:t>2022-01-19</a:t>
+              <a:t>2022-01-20</a:t>
             </a:fld>
             <a:endParaRPr lang="ko-KR" altLang="en-US"/>
           </a:p>
@@ -3179,7 +3372,7 @@
             <a:fld id="{3A302466-FE76-40E8-BE5D-598A609EDD2B}" type="datetimeFigureOut">
               <a:rPr lang="ko-KR" altLang="en-US" smtClean="0"/>
               <a:pPr/>
-              <a:t>2022-01-19</a:t>
+              <a:t>2022-01-20</a:t>
             </a:fld>
             <a:endParaRPr lang="ko-KR" altLang="en-US"/>
           </a:p>
@@ -3603,7 +3796,7 @@
             <a:fld id="{3A302466-FE76-40E8-BE5D-598A609EDD2B}" type="datetimeFigureOut">
               <a:rPr lang="ko-KR" altLang="en-US" smtClean="0"/>
               <a:pPr/>
-              <a:t>2022-01-19</a:t>
+              <a:t>2022-01-20</a:t>
             </a:fld>
             <a:endParaRPr lang="ko-KR" altLang="en-US"/>
           </a:p>
@@ -3723,7 +3916,7 @@
             <a:fld id="{3A302466-FE76-40E8-BE5D-598A609EDD2B}" type="datetimeFigureOut">
               <a:rPr lang="ko-KR" altLang="en-US" smtClean="0"/>
               <a:pPr/>
-              <a:t>2022-01-19</a:t>
+              <a:t>2022-01-20</a:t>
             </a:fld>
             <a:endParaRPr lang="ko-KR" altLang="en-US"/>
           </a:p>
@@ -3820,7 +4013,7 @@
             <a:fld id="{3A302466-FE76-40E8-BE5D-598A609EDD2B}" type="datetimeFigureOut">
               <a:rPr lang="ko-KR" altLang="en-US" smtClean="0"/>
               <a:pPr/>
-              <a:t>2022-01-19</a:t>
+              <a:t>2022-01-20</a:t>
             </a:fld>
             <a:endParaRPr lang="ko-KR" altLang="en-US"/>
           </a:p>
@@ -4099,7 +4292,7 @@
             <a:fld id="{3A302466-FE76-40E8-BE5D-598A609EDD2B}" type="datetimeFigureOut">
               <a:rPr lang="ko-KR" altLang="en-US" smtClean="0"/>
               <a:pPr/>
-              <a:t>2022-01-19</a:t>
+              <a:t>2022-01-20</a:t>
             </a:fld>
             <a:endParaRPr lang="ko-KR" altLang="en-US"/>
           </a:p>
@@ -4354,7 +4547,7 @@
             <a:fld id="{3A302466-FE76-40E8-BE5D-598A609EDD2B}" type="datetimeFigureOut">
               <a:rPr lang="ko-KR" altLang="en-US" smtClean="0"/>
               <a:pPr/>
-              <a:t>2022-01-19</a:t>
+              <a:t>2022-01-20</a:t>
             </a:fld>
             <a:endParaRPr lang="ko-KR" altLang="en-US"/>
           </a:p>
@@ -4569,7 +4762,7 @@
             <a:fld id="{3A302466-FE76-40E8-BE5D-598A609EDD2B}" type="datetimeFigureOut">
               <a:rPr lang="ko-KR" altLang="en-US" smtClean="0"/>
               <a:pPr/>
-              <a:t>2022-01-19</a:t>
+              <a:t>2022-01-20</a:t>
             </a:fld>
             <a:endParaRPr lang="ko-KR" altLang="en-US"/>
           </a:p>

--- a/C++언어/수업자료/C++_3_Class_ClassFile_Const.pptx
+++ b/C++언어/수업자료/C++_3_Class_ClassFile_Const.pptx
@@ -52,17 +52,17 @@
   <p:notesSz cx="6858000" cy="9144000"/>
   <p:embeddedFontLst>
     <p:embeddedFont>
-      <p:font typeface="HY강B" charset="-127"/>
+      <p:font typeface="HY헤드라인M" pitchFamily="18" charset="-127"/>
       <p:regular r:id="rId42"/>
     </p:embeddedFont>
     <p:embeddedFont>
-      <p:font typeface="HY강M" charset="-127"/>
-      <p:regular r:id="rId43"/>
+      <p:font typeface="Segoe UI Black" pitchFamily="34" charset="0"/>
+      <p:bold r:id="rId43"/>
+      <p:boldItalic r:id="rId44"/>
     </p:embeddedFont>
     <p:embeddedFont>
-      <p:font typeface="Segoe UI Black" pitchFamily="34" charset="0"/>
-      <p:bold r:id="rId44"/>
-      <p:boldItalic r:id="rId45"/>
+      <p:font typeface="HY강B" charset="-127"/>
+      <p:regular r:id="rId45"/>
     </p:embeddedFont>
     <p:embeddedFont>
       <p:font typeface="Yoon 윤고딕 520_TT" charset="-127"/>
@@ -73,7 +73,7 @@
       <p:regular r:id="rId47"/>
     </p:embeddedFont>
     <p:embeddedFont>
-      <p:font typeface="HY헤드라인M" pitchFamily="18" charset="-127"/>
+      <p:font typeface="HY강M" charset="-127"/>
       <p:regular r:id="rId48"/>
     </p:embeddedFont>
     <p:embeddedFont>
@@ -263,7 +263,7 @@
             <a:fld id="{E2E81C77-485D-47AA-9839-DA75671EEAD7}" type="datetimeFigureOut">
               <a:rPr lang="ko-KR" altLang="en-US" smtClean="0"/>
               <a:pPr/>
-              <a:t>2022-01-20</a:t>
+              <a:t>2022-01-24</a:t>
             </a:fld>
             <a:endParaRPr lang="ko-KR" altLang="en-US"/>
           </a:p>
@@ -1116,6 +1116,113 @@
 </p:notes>
 </file>
 
+<file path=ppt/notesSlides/notesSlide15.xml><?xml version="1.0" encoding="utf-8"?>
+<p:notes xmlns:a="http://schemas.openxmlformats.org/drawingml/2006/main" xmlns:r="http://schemas.openxmlformats.org/officeDocument/2006/relationships" xmlns:p="http://schemas.openxmlformats.org/presentationml/2006/main">
+  <p:cSld>
+    <p:spTree>
+      <p:nvGrpSpPr>
+        <p:cNvPr id="1" name=""/>
+        <p:cNvGrpSpPr/>
+        <p:nvPr/>
+      </p:nvGrpSpPr>
+      <p:grpSpPr>
+        <a:xfrm>
+          <a:off x="0" y="0"/>
+          <a:ext cx="0" cy="0"/>
+          <a:chOff x="0" y="0"/>
+          <a:chExt cx="0" cy="0"/>
+        </a:xfrm>
+      </p:grpSpPr>
+      <p:sp>
+        <p:nvSpPr>
+          <p:cNvPr id="2" name="슬라이드 이미지 개체 틀 1"/>
+          <p:cNvSpPr>
+            <a:spLocks noGrp="1" noRot="1" noChangeAspect="1"/>
+          </p:cNvSpPr>
+          <p:nvPr>
+            <p:ph type="sldImg"/>
+          </p:nvPr>
+        </p:nvSpPr>
+        <p:spPr/>
+      </p:sp>
+      <p:sp>
+        <p:nvSpPr>
+          <p:cNvPr id="3" name="슬라이드 노트 개체 틀 2"/>
+          <p:cNvSpPr>
+            <a:spLocks noGrp="1"/>
+          </p:cNvSpPr>
+          <p:nvPr>
+            <p:ph type="body" idx="1"/>
+          </p:nvPr>
+        </p:nvSpPr>
+        <p:spPr/>
+        <p:txBody>
+          <a:bodyPr/>
+          <a:lstStyle/>
+          <a:p>
+            <a:r>
+              <a:rPr lang="ko-KR" altLang="en-US" dirty="0" smtClean="0"/>
+              <a:t>무조건 초기값이 들어간다</a:t>
+            </a:r>
+            <a:r>
+              <a:rPr lang="en-US" altLang="ko-KR" dirty="0" smtClean="0"/>
+              <a:t>.</a:t>
+            </a:r>
+          </a:p>
+          <a:p>
+            <a:r>
+              <a:rPr lang="ko-KR" altLang="en-US" dirty="0" smtClean="0"/>
+              <a:t>활용하는 방법 고정된 상수 데이터에 활용 바뀌지 않는 </a:t>
+            </a:r>
+            <a:r>
+              <a:rPr lang="ko-KR" altLang="en-US" dirty="0" err="1" smtClean="0"/>
+              <a:t>로드경로같은</a:t>
+            </a:r>
+            <a:r>
+              <a:rPr lang="ko-KR" altLang="en-US" smtClean="0"/>
+              <a:t> 것</a:t>
+            </a:r>
+            <a:endParaRPr lang="ko-KR" altLang="en-US" dirty="0"/>
+          </a:p>
+        </p:txBody>
+      </p:sp>
+      <p:sp>
+        <p:nvSpPr>
+          <p:cNvPr id="4" name="슬라이드 번호 개체 틀 3"/>
+          <p:cNvSpPr>
+            <a:spLocks noGrp="1"/>
+          </p:cNvSpPr>
+          <p:nvPr>
+            <p:ph type="sldNum" sz="quarter" idx="10"/>
+          </p:nvPr>
+        </p:nvSpPr>
+        <p:spPr/>
+        <p:txBody>
+          <a:bodyPr/>
+          <a:lstStyle/>
+          <a:p>
+            <a:fld id="{15317825-7312-444A-A32A-E4ADCED38ACF}" type="slidenum">
+              <a:rPr lang="ko-KR" altLang="en-US" smtClean="0"/>
+              <a:pPr/>
+              <a:t>33</a:t>
+            </a:fld>
+            <a:endParaRPr lang="ko-KR" altLang="en-US"/>
+          </a:p>
+        </p:txBody>
+      </p:sp>
+    </p:spTree>
+    <p:extLst>
+      <p:ext uri="{BB962C8B-B14F-4D97-AF65-F5344CB8AC3E}">
+        <p14:creationId xmlns:p14="http://schemas.microsoft.com/office/powerpoint/2010/main" val="583682160"/>
+      </p:ext>
+    </p:extLst>
+  </p:cSld>
+  <p:clrMapOvr>
+    <a:masterClrMapping/>
+  </p:clrMapOvr>
+</p:notes>
+</file>
+
 <file path=ppt/notesSlides/notesSlide2.xml><?xml version="1.0" encoding="utf-8"?>
 <p:notes xmlns:a="http://schemas.openxmlformats.org/drawingml/2006/main" xmlns:r="http://schemas.openxmlformats.org/officeDocument/2006/relationships" xmlns:p="http://schemas.openxmlformats.org/presentationml/2006/main">
   <p:cSld>
@@ -2308,7 +2415,7 @@
             <a:fld id="{3A302466-FE76-40E8-BE5D-598A609EDD2B}" type="datetimeFigureOut">
               <a:rPr lang="ko-KR" altLang="en-US" smtClean="0"/>
               <a:pPr/>
-              <a:t>2022-01-20</a:t>
+              <a:t>2022-01-24</a:t>
             </a:fld>
             <a:endParaRPr lang="ko-KR" altLang="en-US"/>
           </a:p>
@@ -2480,7 +2587,7 @@
             <a:fld id="{3A302466-FE76-40E8-BE5D-598A609EDD2B}" type="datetimeFigureOut">
               <a:rPr lang="ko-KR" altLang="en-US" smtClean="0"/>
               <a:pPr/>
-              <a:t>2022-01-20</a:t>
+              <a:t>2022-01-24</a:t>
             </a:fld>
             <a:endParaRPr lang="ko-KR" altLang="en-US"/>
           </a:p>
@@ -2662,7 +2769,7 @@
             <a:fld id="{3A302466-FE76-40E8-BE5D-598A609EDD2B}" type="datetimeFigureOut">
               <a:rPr lang="ko-KR" altLang="en-US" smtClean="0"/>
               <a:pPr/>
-              <a:t>2022-01-20</a:t>
+              <a:t>2022-01-24</a:t>
             </a:fld>
             <a:endParaRPr lang="ko-KR" altLang="en-US"/>
           </a:p>
@@ -2834,7 +2941,7 @@
             <a:fld id="{3A302466-FE76-40E8-BE5D-598A609EDD2B}" type="datetimeFigureOut">
               <a:rPr lang="ko-KR" altLang="en-US" smtClean="0"/>
               <a:pPr/>
-              <a:t>2022-01-20</a:t>
+              <a:t>2022-01-24</a:t>
             </a:fld>
             <a:endParaRPr lang="ko-KR" altLang="en-US"/>
           </a:p>
@@ -3082,7 +3189,7 @@
             <a:fld id="{3A302466-FE76-40E8-BE5D-598A609EDD2B}" type="datetimeFigureOut">
               <a:rPr lang="ko-KR" altLang="en-US" smtClean="0"/>
               <a:pPr/>
-              <a:t>2022-01-20</a:t>
+              <a:t>2022-01-24</a:t>
             </a:fld>
             <a:endParaRPr lang="ko-KR" altLang="en-US"/>
           </a:p>
@@ -3372,7 +3479,7 @@
             <a:fld id="{3A302466-FE76-40E8-BE5D-598A609EDD2B}" type="datetimeFigureOut">
               <a:rPr lang="ko-KR" altLang="en-US" smtClean="0"/>
               <a:pPr/>
-              <a:t>2022-01-20</a:t>
+              <a:t>2022-01-24</a:t>
             </a:fld>
             <a:endParaRPr lang="ko-KR" altLang="en-US"/>
           </a:p>
@@ -3796,7 +3903,7 @@
             <a:fld id="{3A302466-FE76-40E8-BE5D-598A609EDD2B}" type="datetimeFigureOut">
               <a:rPr lang="ko-KR" altLang="en-US" smtClean="0"/>
               <a:pPr/>
-              <a:t>2022-01-20</a:t>
+              <a:t>2022-01-24</a:t>
             </a:fld>
             <a:endParaRPr lang="ko-KR" altLang="en-US"/>
           </a:p>
@@ -3916,7 +4023,7 @@
             <a:fld id="{3A302466-FE76-40E8-BE5D-598A609EDD2B}" type="datetimeFigureOut">
               <a:rPr lang="ko-KR" altLang="en-US" smtClean="0"/>
               <a:pPr/>
-              <a:t>2022-01-20</a:t>
+              <a:t>2022-01-24</a:t>
             </a:fld>
             <a:endParaRPr lang="ko-KR" altLang="en-US"/>
           </a:p>
@@ -4013,7 +4120,7 @@
             <a:fld id="{3A302466-FE76-40E8-BE5D-598A609EDD2B}" type="datetimeFigureOut">
               <a:rPr lang="ko-KR" altLang="en-US" smtClean="0"/>
               <a:pPr/>
-              <a:t>2022-01-20</a:t>
+              <a:t>2022-01-24</a:t>
             </a:fld>
             <a:endParaRPr lang="ko-KR" altLang="en-US"/>
           </a:p>
@@ -4292,7 +4399,7 @@
             <a:fld id="{3A302466-FE76-40E8-BE5D-598A609EDD2B}" type="datetimeFigureOut">
               <a:rPr lang="ko-KR" altLang="en-US" smtClean="0"/>
               <a:pPr/>
-              <a:t>2022-01-20</a:t>
+              <a:t>2022-01-24</a:t>
             </a:fld>
             <a:endParaRPr lang="ko-KR" altLang="en-US"/>
           </a:p>
@@ -4547,7 +4654,7 @@
             <a:fld id="{3A302466-FE76-40E8-BE5D-598A609EDD2B}" type="datetimeFigureOut">
               <a:rPr lang="ko-KR" altLang="en-US" smtClean="0"/>
               <a:pPr/>
-              <a:t>2022-01-20</a:t>
+              <a:t>2022-01-24</a:t>
             </a:fld>
             <a:endParaRPr lang="ko-KR" altLang="en-US"/>
           </a:p>
@@ -4762,7 +4869,7 @@
             <a:fld id="{3A302466-FE76-40E8-BE5D-598A609EDD2B}" type="datetimeFigureOut">
               <a:rPr lang="ko-KR" altLang="en-US" smtClean="0"/>
               <a:pPr/>
-              <a:t>2022-01-20</a:t>
+              <a:t>2022-01-24</a:t>
             </a:fld>
             <a:endParaRPr lang="ko-KR" altLang="en-US"/>
           </a:p>
